--- a/INVEST.pptx
+++ b/INVEST.pptx
@@ -3982,7 +3982,7 @@
             </a:r>
             <a:r>
               <a:rPr lang="en-IN" sz="1400" dirty="0"/>
-              <a:t> – fill with median values – as the column has outliers</a:t>
+              <a:t> – drop the null values as the variance is too high</a:t>
             </a:r>
           </a:p>
           <a:p>
@@ -4567,17 +4567,17 @@
           <a:p>
             <a:r>
               <a:rPr lang="en-US" dirty="0"/>
-              <a:t>And it is also the most representative investment type with 67.87% funding out of total investments.</a:t>
+              <a:t>And it is also the most representative investment type with 70.54% funding out of total investments.</a:t>
             </a:r>
           </a:p>
         </p:txBody>
       </p:sp>
       <p:pic>
         <p:nvPicPr>
-          <p:cNvPr id="3" name="Picture 2">
+          <p:cNvPr id="1026" name="Picture 2">
             <a:extLst>
               <a:ext uri="{FF2B5EF4-FFF2-40B4-BE49-F238E27FC236}">
-                <a16:creationId xmlns:a16="http://schemas.microsoft.com/office/drawing/2014/main" id="{C6DB837D-BEA8-4D84-A062-3BEAE852A8C1}"/>
+                <a16:creationId xmlns:a16="http://schemas.microsoft.com/office/drawing/2014/main" id="{BCEEA33E-7559-4B33-A538-32B8FB4AB0C8}"/>
               </a:ext>
             </a:extLst>
           </p:cNvPr>
@@ -4601,8 +4601,8 @@
         </p:blipFill>
         <p:spPr bwMode="auto">
           <a:xfrm>
-            <a:off x="1153179" y="2305731"/>
-            <a:ext cx="9885642" cy="4007983"/>
+            <a:off x="1136469" y="2262188"/>
+            <a:ext cx="10178684" cy="4126793"/>
           </a:xfrm>
           <a:prstGeom prst="rect">
             <a:avLst/>
@@ -4739,10 +4739,10 @@
       </p:sp>
       <p:pic>
         <p:nvPicPr>
-          <p:cNvPr id="2" name="Picture 2">
+          <p:cNvPr id="2050" name="Picture 2">
             <a:extLst>
               <a:ext uri="{FF2B5EF4-FFF2-40B4-BE49-F238E27FC236}">
-                <a16:creationId xmlns:a16="http://schemas.microsoft.com/office/drawing/2014/main" id="{E95D9E78-9A06-43DB-8826-DCF6EBC42A9C}"/>
+                <a16:creationId xmlns:a16="http://schemas.microsoft.com/office/drawing/2014/main" id="{D3DFF7AE-4A40-44A2-843C-D316E33C32AE}"/>
               </a:ext>
             </a:extLst>
           </p:cNvPr>
@@ -4766,8 +4766,8 @@
         </p:blipFill>
         <p:spPr bwMode="auto">
           <a:xfrm>
-            <a:off x="959336" y="2056845"/>
-            <a:ext cx="10273328" cy="4161075"/>
+            <a:off x="1260534" y="2045455"/>
+            <a:ext cx="9928766" cy="4021515"/>
           </a:xfrm>
           <a:prstGeom prst="rect">
             <a:avLst/>
@@ -4902,10 +4902,10 @@
       </p:sp>
       <p:pic>
         <p:nvPicPr>
-          <p:cNvPr id="2" name="Picture 4">
+          <p:cNvPr id="3074" name="Picture 2">
             <a:extLst>
               <a:ext uri="{FF2B5EF4-FFF2-40B4-BE49-F238E27FC236}">
-                <a16:creationId xmlns:a16="http://schemas.microsoft.com/office/drawing/2014/main" id="{C9283AA4-5331-48DE-99D1-7A2FE79C6E67}"/>
+                <a16:creationId xmlns:a16="http://schemas.microsoft.com/office/drawing/2014/main" id="{76DB9A6C-4F2A-4C65-B6E4-F1A689738D13}"/>
               </a:ext>
             </a:extLst>
           </p:cNvPr>
@@ -4929,8 +4929,8 @@
         </p:blipFill>
         <p:spPr bwMode="auto">
           <a:xfrm>
-            <a:off x="316558" y="2216251"/>
-            <a:ext cx="11558883" cy="4107316"/>
+            <a:off x="948266" y="2113568"/>
+            <a:ext cx="10540791" cy="3745549"/>
           </a:xfrm>
           <a:prstGeom prst="rect">
             <a:avLst/>
